--- a/Overtime.pptx
+++ b/Overtime.pptx
@@ -127,12 +127,20 @@
 </p:presentation>
 </file>
 
+<file path=ppt/revisionInfo.xml><?xml version="1.0" encoding="utf-8"?>
+<p1510:revInfo xmlns:a="http://schemas.openxmlformats.org/drawingml/2006/main" xmlns:r="http://schemas.openxmlformats.org/officeDocument/2006/relationships" xmlns:p1510="http://schemas.microsoft.com/office/powerpoint/2015/10/main">
+  <p1510:revLst>
+    <p1510:client id="{DC79DADA-EAE2-4781-9E4B-0D3041193BF8}" v="12" dt="2020-06-15T11:31:50.104"/>
+  </p1510:revLst>
+</p1510:revInfo>
+</file>
+
 <file path=ppt/changesInfos/changesInfo1.xml><?xml version="1.0" encoding="utf-8"?>
 <pc:chgInfo xmlns:a="http://schemas.openxmlformats.org/drawingml/2006/main" xmlns:r="http://schemas.openxmlformats.org/officeDocument/2006/relationships" xmlns:ac="http://schemas.microsoft.com/office/drawing/2013/main/command" xmlns:pc="http://schemas.microsoft.com/office/powerpoint/2013/main/command">
   <pc:docChgLst>
     <pc:chgData name="Felix Jopkiewicz" userId="edf806554f9ecbfe" providerId="LiveId" clId="{DC79DADA-EAE2-4781-9E4B-0D3041193BF8}"/>
-    <pc:docChg chg="modSld">
-      <pc:chgData name="Felix Jopkiewicz" userId="edf806554f9ecbfe" providerId="LiveId" clId="{DC79DADA-EAE2-4781-9E4B-0D3041193BF8}" dt="2020-06-15T11:10:36.807" v="104" actId="20577"/>
+    <pc:docChg chg="undo custSel modSld">
+      <pc:chgData name="Felix Jopkiewicz" userId="edf806554f9ecbfe" providerId="LiveId" clId="{DC79DADA-EAE2-4781-9E4B-0D3041193BF8}" dt="2020-06-15T11:35:52.429" v="302" actId="14100"/>
       <pc:docMkLst>
         <pc:docMk/>
       </pc:docMkLst>
@@ -150,6 +158,637 @@
             <ac:spMk id="3" creationId="{6734A1C8-0578-4F36-AF27-C3F251D20B61}"/>
           </ac:spMkLst>
         </pc:spChg>
+      </pc:sldChg>
+      <pc:sldChg chg="addSp delSp modSp mod setBg">
+        <pc:chgData name="Felix Jopkiewicz" userId="edf806554f9ecbfe" providerId="LiveId" clId="{DC79DADA-EAE2-4781-9E4B-0D3041193BF8}" dt="2020-06-15T11:35:52.429" v="302" actId="14100"/>
+        <pc:sldMkLst>
+          <pc:docMk/>
+          <pc:sldMk cId="4091333084" sldId="258"/>
+        </pc:sldMkLst>
+        <pc:spChg chg="mod ord">
+          <ac:chgData name="Felix Jopkiewicz" userId="edf806554f9ecbfe" providerId="LiveId" clId="{DC79DADA-EAE2-4781-9E4B-0D3041193BF8}" dt="2020-06-15T11:34:58.536" v="298" actId="1076"/>
+          <ac:spMkLst>
+            <pc:docMk/>
+            <pc:sldMk cId="4091333084" sldId="258"/>
+            <ac:spMk id="2" creationId="{3E58D47D-1055-4C01-A921-F0A2B1C10C72}"/>
+          </ac:spMkLst>
+        </pc:spChg>
+        <pc:spChg chg="add del mod ord">
+          <ac:chgData name="Felix Jopkiewicz" userId="edf806554f9ecbfe" providerId="LiveId" clId="{DC79DADA-EAE2-4781-9E4B-0D3041193BF8}" dt="2020-06-15T11:31:29.265" v="262"/>
+          <ac:spMkLst>
+            <pc:docMk/>
+            <pc:sldMk cId="4091333084" sldId="258"/>
+            <ac:spMk id="3" creationId="{B45DA9A6-02D9-4755-98C6-767201F2FBAF}"/>
+          </ac:spMkLst>
+        </pc:spChg>
+        <pc:spChg chg="add del">
+          <ac:chgData name="Felix Jopkiewicz" userId="edf806554f9ecbfe" providerId="LiveId" clId="{DC79DADA-EAE2-4781-9E4B-0D3041193BF8}" dt="2020-06-15T11:30:16.282" v="205" actId="26606"/>
+          <ac:spMkLst>
+            <pc:docMk/>
+            <pc:sldMk cId="4091333084" sldId="258"/>
+            <ac:spMk id="8" creationId="{39B4056F-1959-4627-A683-77F6C0603FCD}"/>
+          </ac:spMkLst>
+        </pc:spChg>
+        <pc:spChg chg="add del">
+          <ac:chgData name="Felix Jopkiewicz" userId="edf806554f9ecbfe" providerId="LiveId" clId="{DC79DADA-EAE2-4781-9E4B-0D3041193BF8}" dt="2020-06-15T11:27:50.523" v="178" actId="26606"/>
+          <ac:spMkLst>
+            <pc:docMk/>
+            <pc:sldMk cId="4091333084" sldId="258"/>
+            <ac:spMk id="9" creationId="{0AB6E427-3F73-4C06-A5D5-AE52C3883B50}"/>
+          </ac:spMkLst>
+        </pc:spChg>
+        <pc:spChg chg="add del">
+          <ac:chgData name="Felix Jopkiewicz" userId="edf806554f9ecbfe" providerId="LiveId" clId="{DC79DADA-EAE2-4781-9E4B-0D3041193BF8}" dt="2020-06-15T11:29:38.667" v="186" actId="26606"/>
+          <ac:spMkLst>
+            <pc:docMk/>
+            <pc:sldMk cId="4091333084" sldId="258"/>
+            <ac:spMk id="10" creationId="{39B4056F-1959-4627-A683-77F6C0603FCD}"/>
+          </ac:spMkLst>
+        </pc:spChg>
+        <pc:spChg chg="add del">
+          <ac:chgData name="Felix Jopkiewicz" userId="edf806554f9ecbfe" providerId="LiveId" clId="{DC79DADA-EAE2-4781-9E4B-0D3041193BF8}" dt="2020-06-15T11:27:50.523" v="178" actId="26606"/>
+          <ac:spMkLst>
+            <pc:docMk/>
+            <pc:sldMk cId="4091333084" sldId="258"/>
+            <ac:spMk id="11" creationId="{D8C9BDAA-0390-4B39-9B5C-BC95E5120DA4}"/>
+          </ac:spMkLst>
+        </pc:spChg>
+        <pc:spChg chg="add del">
+          <ac:chgData name="Felix Jopkiewicz" userId="edf806554f9ecbfe" providerId="LiveId" clId="{DC79DADA-EAE2-4781-9E4B-0D3041193BF8}" dt="2020-06-15T11:29:38.667" v="186" actId="26606"/>
+          <ac:spMkLst>
+            <pc:docMk/>
+            <pc:sldMk cId="4091333084" sldId="258"/>
+            <ac:spMk id="12" creationId="{D8D7349B-C9FA-4FCE-A1FF-948F460A3A9A}"/>
+          </ac:spMkLst>
+        </pc:spChg>
+        <pc:spChg chg="add del">
+          <ac:chgData name="Felix Jopkiewicz" userId="edf806554f9ecbfe" providerId="LiveId" clId="{DC79DADA-EAE2-4781-9E4B-0D3041193BF8}" dt="2020-06-15T11:29:31.548" v="182" actId="26606"/>
+          <ac:spMkLst>
+            <pc:docMk/>
+            <pc:sldMk cId="4091333084" sldId="258"/>
+            <ac:spMk id="15" creationId="{39B4056F-1959-4627-A683-77F6C0603FCD}"/>
+          </ac:spMkLst>
+        </pc:spChg>
+        <pc:spChg chg="add del">
+          <ac:chgData name="Felix Jopkiewicz" userId="edf806554f9ecbfe" providerId="LiveId" clId="{DC79DADA-EAE2-4781-9E4B-0D3041193BF8}" dt="2020-06-15T11:29:31.548" v="182" actId="26606"/>
+          <ac:spMkLst>
+            <pc:docMk/>
+            <pc:sldMk cId="4091333084" sldId="258"/>
+            <ac:spMk id="16" creationId="{D8D7349B-C9FA-4FCE-A1FF-948F460A3A9A}"/>
+          </ac:spMkLst>
+        </pc:spChg>
+        <pc:spChg chg="add del">
+          <ac:chgData name="Felix Jopkiewicz" userId="edf806554f9ecbfe" providerId="LiveId" clId="{DC79DADA-EAE2-4781-9E4B-0D3041193BF8}" dt="2020-06-15T11:29:39.260" v="188" actId="26606"/>
+          <ac:spMkLst>
+            <pc:docMk/>
+            <pc:sldMk cId="4091333084" sldId="258"/>
+            <ac:spMk id="18" creationId="{F64BBAA4-C62B-4146-B49F-FE4CC4655EE0}"/>
+          </ac:spMkLst>
+        </pc:spChg>
+        <pc:spChg chg="add del">
+          <ac:chgData name="Felix Jopkiewicz" userId="edf806554f9ecbfe" providerId="LiveId" clId="{DC79DADA-EAE2-4781-9E4B-0D3041193BF8}" dt="2020-06-15T11:29:39.260" v="188" actId="26606"/>
+          <ac:spMkLst>
+            <pc:docMk/>
+            <pc:sldMk cId="4091333084" sldId="258"/>
+            <ac:spMk id="20" creationId="{6BF36B24-6632-4516-9692-731462896C1F}"/>
+          </ac:spMkLst>
+        </pc:spChg>
+        <pc:spChg chg="add del">
+          <ac:chgData name="Felix Jopkiewicz" userId="edf806554f9ecbfe" providerId="LiveId" clId="{DC79DADA-EAE2-4781-9E4B-0D3041193BF8}" dt="2020-06-15T11:30:16.282" v="205" actId="26606"/>
+          <ac:spMkLst>
+            <pc:docMk/>
+            <pc:sldMk cId="4091333084" sldId="258"/>
+            <ac:spMk id="21" creationId="{D8D7349B-C9FA-4FCE-A1FF-948F460A3A9A}"/>
+          </ac:spMkLst>
+        </pc:spChg>
+        <pc:spChg chg="add del">
+          <ac:chgData name="Felix Jopkiewicz" userId="edf806554f9ecbfe" providerId="LiveId" clId="{DC79DADA-EAE2-4781-9E4B-0D3041193BF8}" dt="2020-06-15T11:29:39.792" v="190" actId="26606"/>
+          <ac:spMkLst>
+            <pc:docMk/>
+            <pc:sldMk cId="4091333084" sldId="258"/>
+            <ac:spMk id="22" creationId="{0AB6E427-3F73-4C06-A5D5-AE52C3883B50}"/>
+          </ac:spMkLst>
+        </pc:spChg>
+        <pc:spChg chg="add del">
+          <ac:chgData name="Felix Jopkiewicz" userId="edf806554f9ecbfe" providerId="LiveId" clId="{DC79DADA-EAE2-4781-9E4B-0D3041193BF8}" dt="2020-06-15T11:29:39.792" v="190" actId="26606"/>
+          <ac:spMkLst>
+            <pc:docMk/>
+            <pc:sldMk cId="4091333084" sldId="258"/>
+            <ac:spMk id="23" creationId="{D8C9BDAA-0390-4B39-9B5C-BC95E5120DA4}"/>
+          </ac:spMkLst>
+        </pc:spChg>
+        <pc:spChg chg="add del">
+          <ac:chgData name="Felix Jopkiewicz" userId="edf806554f9ecbfe" providerId="LiveId" clId="{DC79DADA-EAE2-4781-9E4B-0D3041193BF8}" dt="2020-06-15T11:29:41.697" v="192" actId="26606"/>
+          <ac:spMkLst>
+            <pc:docMk/>
+            <pc:sldMk cId="4091333084" sldId="258"/>
+            <ac:spMk id="26" creationId="{80861964-D86C-4A50-8F6D-B466384A61B1}"/>
+          </ac:spMkLst>
+        </pc:spChg>
+        <pc:spChg chg="add del">
+          <ac:chgData name="Felix Jopkiewicz" userId="edf806554f9ecbfe" providerId="LiveId" clId="{DC79DADA-EAE2-4781-9E4B-0D3041193BF8}" dt="2020-06-15T11:29:41.697" v="192" actId="26606"/>
+          <ac:spMkLst>
+            <pc:docMk/>
+            <pc:sldMk cId="4091333084" sldId="258"/>
+            <ac:spMk id="28" creationId="{F2BDE551-930A-4FE1-8434-09824E3247E6}"/>
+          </ac:spMkLst>
+        </pc:spChg>
+        <pc:spChg chg="add del">
+          <ac:chgData name="Felix Jopkiewicz" userId="edf806554f9ecbfe" providerId="LiveId" clId="{DC79DADA-EAE2-4781-9E4B-0D3041193BF8}" dt="2020-06-15T11:30:17.954" v="207" actId="26606"/>
+          <ac:spMkLst>
+            <pc:docMk/>
+            <pc:sldMk cId="4091333084" sldId="258"/>
+            <ac:spMk id="29" creationId="{39E3965E-AC41-4711-9D10-E25ABB132D86}"/>
+          </ac:spMkLst>
+        </pc:spChg>
+        <pc:spChg chg="add del">
+          <ac:chgData name="Felix Jopkiewicz" userId="edf806554f9ecbfe" providerId="LiveId" clId="{DC79DADA-EAE2-4781-9E4B-0D3041193BF8}" dt="2020-06-15T11:29:42.197" v="194" actId="26606"/>
+          <ac:spMkLst>
+            <pc:docMk/>
+            <pc:sldMk cId="4091333084" sldId="258"/>
+            <ac:spMk id="30" creationId="{5E0A8391-2737-4F1C-B27A-C44629DB4D33}"/>
+          </ac:spMkLst>
+        </pc:spChg>
+        <pc:spChg chg="add del">
+          <ac:chgData name="Felix Jopkiewicz" userId="edf806554f9ecbfe" providerId="LiveId" clId="{DC79DADA-EAE2-4781-9E4B-0D3041193BF8}" dt="2020-06-15T11:29:42.197" v="194" actId="26606"/>
+          <ac:spMkLst>
+            <pc:docMk/>
+            <pc:sldMk cId="4091333084" sldId="258"/>
+            <ac:spMk id="31" creationId="{ED5EC01C-B438-4398-919E-A345C83EDAC9}"/>
+          </ac:spMkLst>
+        </pc:spChg>
+        <pc:spChg chg="add del">
+          <ac:chgData name="Felix Jopkiewicz" userId="edf806554f9ecbfe" providerId="LiveId" clId="{DC79DADA-EAE2-4781-9E4B-0D3041193BF8}" dt="2020-06-15T11:29:47.758" v="196" actId="26606"/>
+          <ac:spMkLst>
+            <pc:docMk/>
+            <pc:sldMk cId="4091333084" sldId="258"/>
+            <ac:spMk id="33" creationId="{08CB54FC-0B2A-4107-9A70-958B90B76585}"/>
+          </ac:spMkLst>
+        </pc:spChg>
+        <pc:spChg chg="add del">
+          <ac:chgData name="Felix Jopkiewicz" userId="edf806554f9ecbfe" providerId="LiveId" clId="{DC79DADA-EAE2-4781-9E4B-0D3041193BF8}" dt="2020-06-15T11:29:47.758" v="196" actId="26606"/>
+          <ac:spMkLst>
+            <pc:docMk/>
+            <pc:sldMk cId="4091333084" sldId="258"/>
+            <ac:spMk id="35" creationId="{9AA76026-5689-4584-8D93-D71D739E61B5}"/>
+          </ac:spMkLst>
+        </pc:spChg>
+        <pc:spChg chg="add del">
+          <ac:chgData name="Felix Jopkiewicz" userId="edf806554f9ecbfe" providerId="LiveId" clId="{DC79DADA-EAE2-4781-9E4B-0D3041193BF8}" dt="2020-06-15T11:30:17.954" v="207" actId="26606"/>
+          <ac:spMkLst>
+            <pc:docMk/>
+            <pc:sldMk cId="4091333084" sldId="258"/>
+            <ac:spMk id="36" creationId="{990BAFCD-EA0A-47F4-8B00-AAB1E67A90CC}"/>
+          </ac:spMkLst>
+        </pc:spChg>
+        <pc:spChg chg="add del">
+          <ac:chgData name="Felix Jopkiewicz" userId="edf806554f9ecbfe" providerId="LiveId" clId="{DC79DADA-EAE2-4781-9E4B-0D3041193BF8}" dt="2020-06-15T11:30:17.954" v="207" actId="26606"/>
+          <ac:spMkLst>
+            <pc:docMk/>
+            <pc:sldMk cId="4091333084" sldId="258"/>
+            <ac:spMk id="37" creationId="{2F9C61D6-37CC-4AD4-83C3-022D08874179}"/>
+          </ac:spMkLst>
+        </pc:spChg>
+        <pc:spChg chg="add del">
+          <ac:chgData name="Felix Jopkiewicz" userId="edf806554f9ecbfe" providerId="LiveId" clId="{DC79DADA-EAE2-4781-9E4B-0D3041193BF8}" dt="2020-06-15T11:31:25.719" v="260" actId="26606"/>
+          <ac:spMkLst>
+            <pc:docMk/>
+            <pc:sldMk cId="4091333084" sldId="258"/>
+            <ac:spMk id="39" creationId="{39E3965E-AC41-4711-9D10-E25ABB132D86}"/>
+          </ac:spMkLst>
+        </pc:spChg>
+        <pc:spChg chg="add del">
+          <ac:chgData name="Felix Jopkiewicz" userId="edf806554f9ecbfe" providerId="LiveId" clId="{DC79DADA-EAE2-4781-9E4B-0D3041193BF8}" dt="2020-06-15T11:30:34.169" v="231" actId="26606"/>
+          <ac:spMkLst>
+            <pc:docMk/>
+            <pc:sldMk cId="4091333084" sldId="258"/>
+            <ac:spMk id="40" creationId="{39E3965E-AC41-4711-9D10-E25ABB132D86}"/>
+          </ac:spMkLst>
+        </pc:spChg>
+        <pc:spChg chg="add del">
+          <ac:chgData name="Felix Jopkiewicz" userId="edf806554f9ecbfe" providerId="LiveId" clId="{DC79DADA-EAE2-4781-9E4B-0D3041193BF8}" dt="2020-06-15T11:30:34.169" v="231" actId="26606"/>
+          <ac:spMkLst>
+            <pc:docMk/>
+            <pc:sldMk cId="4091333084" sldId="258"/>
+            <ac:spMk id="42" creationId="{548B4202-DCD5-4F8C-B481-743A989A9DFF}"/>
+          </ac:spMkLst>
+        </pc:spChg>
+        <pc:spChg chg="add del">
+          <ac:chgData name="Felix Jopkiewicz" userId="edf806554f9ecbfe" providerId="LiveId" clId="{DC79DADA-EAE2-4781-9E4B-0D3041193BF8}" dt="2020-06-15T11:30:34.169" v="231" actId="26606"/>
+          <ac:spMkLst>
+            <pc:docMk/>
+            <pc:sldMk cId="4091333084" sldId="258"/>
+            <ac:spMk id="44" creationId="{8EE702CF-91CE-4661-ACBF-3C8160D1B433}"/>
+          </ac:spMkLst>
+        </pc:spChg>
+        <pc:spChg chg="add del">
+          <ac:chgData name="Felix Jopkiewicz" userId="edf806554f9ecbfe" providerId="LiveId" clId="{DC79DADA-EAE2-4781-9E4B-0D3041193BF8}" dt="2020-06-15T11:31:25.719" v="260" actId="26606"/>
+          <ac:spMkLst>
+            <pc:docMk/>
+            <pc:sldMk cId="4091333084" sldId="258"/>
+            <ac:spMk id="46" creationId="{548B4202-DCD5-4F8C-B481-743A989A9DFF}"/>
+          </ac:spMkLst>
+        </pc:spChg>
+        <pc:spChg chg="add del">
+          <ac:chgData name="Felix Jopkiewicz" userId="edf806554f9ecbfe" providerId="LiveId" clId="{DC79DADA-EAE2-4781-9E4B-0D3041193BF8}" dt="2020-06-15T11:30:28.248" v="219" actId="26606"/>
+          <ac:spMkLst>
+            <pc:docMk/>
+            <pc:sldMk cId="4091333084" sldId="258"/>
+            <ac:spMk id="48" creationId="{D28A899B-2285-44A6-984F-8ED7C2625635}"/>
+          </ac:spMkLst>
+        </pc:spChg>
+        <pc:spChg chg="add del">
+          <ac:chgData name="Felix Jopkiewicz" userId="edf806554f9ecbfe" providerId="LiveId" clId="{DC79DADA-EAE2-4781-9E4B-0D3041193BF8}" dt="2020-06-15T11:30:27.686" v="217" actId="26606"/>
+          <ac:spMkLst>
+            <pc:docMk/>
+            <pc:sldMk cId="4091333084" sldId="258"/>
+            <ac:spMk id="49" creationId="{39E3965E-AC41-4711-9D10-E25ABB132D86}"/>
+          </ac:spMkLst>
+        </pc:spChg>
+        <pc:spChg chg="add del">
+          <ac:chgData name="Felix Jopkiewicz" userId="edf806554f9ecbfe" providerId="LiveId" clId="{DC79DADA-EAE2-4781-9E4B-0D3041193BF8}" dt="2020-06-15T11:31:25.719" v="260" actId="26606"/>
+          <ac:spMkLst>
+            <pc:docMk/>
+            <pc:sldMk cId="4091333084" sldId="258"/>
+            <ac:spMk id="50" creationId="{8EE702CF-91CE-4661-ACBF-3C8160D1B433}"/>
+          </ac:spMkLst>
+        </pc:spChg>
+        <pc:spChg chg="add del">
+          <ac:chgData name="Felix Jopkiewicz" userId="edf806554f9ecbfe" providerId="LiveId" clId="{DC79DADA-EAE2-4781-9E4B-0D3041193BF8}" dt="2020-06-15T11:30:27.686" v="217" actId="26606"/>
+          <ac:spMkLst>
+            <pc:docMk/>
+            <pc:sldMk cId="4091333084" sldId="258"/>
+            <ac:spMk id="53" creationId="{34461041-8413-4023-ABA7-9E499B0AD995}"/>
+          </ac:spMkLst>
+        </pc:spChg>
+        <pc:spChg chg="add del">
+          <ac:chgData name="Felix Jopkiewicz" userId="edf806554f9ecbfe" providerId="LiveId" clId="{DC79DADA-EAE2-4781-9E4B-0D3041193BF8}" dt="2020-06-15T11:31:47.355" v="264" actId="26606"/>
+          <ac:spMkLst>
+            <pc:docMk/>
+            <pc:sldMk cId="4091333084" sldId="258"/>
+            <ac:spMk id="54" creationId="{39B4056F-1959-4627-A683-77F6C0603FCD}"/>
+          </ac:spMkLst>
+        </pc:spChg>
+        <pc:spChg chg="add del">
+          <ac:chgData name="Felix Jopkiewicz" userId="edf806554f9ecbfe" providerId="LiveId" clId="{DC79DADA-EAE2-4781-9E4B-0D3041193BF8}" dt="2020-06-15T11:31:47.355" v="264" actId="26606"/>
+          <ac:spMkLst>
+            <pc:docMk/>
+            <pc:sldMk cId="4091333084" sldId="258"/>
+            <ac:spMk id="56" creationId="{0098CFA4-01EA-4810-8A04-93887FD261EF}"/>
+          </ac:spMkLst>
+        </pc:spChg>
+        <pc:spChg chg="add del">
+          <ac:chgData name="Felix Jopkiewicz" userId="edf806554f9ecbfe" providerId="LiveId" clId="{DC79DADA-EAE2-4781-9E4B-0D3041193BF8}" dt="2020-06-15T11:30:27.686" v="217" actId="26606"/>
+          <ac:spMkLst>
+            <pc:docMk/>
+            <pc:sldMk cId="4091333084" sldId="258"/>
+            <ac:spMk id="57" creationId="{53B4A494-ED20-47DD-A927-05EA273B0F1F}"/>
+          </ac:spMkLst>
+        </pc:spChg>
+        <pc:spChg chg="add del">
+          <ac:chgData name="Felix Jopkiewicz" userId="edf806554f9ecbfe" providerId="LiveId" clId="{DC79DADA-EAE2-4781-9E4B-0D3041193BF8}" dt="2020-06-15T11:31:47.355" v="264" actId="26606"/>
+          <ac:spMkLst>
+            <pc:docMk/>
+            <pc:sldMk cId="4091333084" sldId="258"/>
+            <ac:spMk id="58" creationId="{D8D7349B-C9FA-4FCE-A1FF-948F460A3A9A}"/>
+          </ac:spMkLst>
+        </pc:spChg>
+        <pc:spChg chg="add del">
+          <ac:chgData name="Felix Jopkiewicz" userId="edf806554f9ecbfe" providerId="LiveId" clId="{DC79DADA-EAE2-4781-9E4B-0D3041193BF8}" dt="2020-06-15T11:30:28.248" v="219" actId="26606"/>
+          <ac:spMkLst>
+            <pc:docMk/>
+            <pc:sldMk cId="4091333084" sldId="258"/>
+            <ac:spMk id="59" creationId="{F64BBAA4-C62B-4146-B49F-FE4CC4655EE0}"/>
+          </ac:spMkLst>
+        </pc:spChg>
+        <pc:spChg chg="add del">
+          <ac:chgData name="Felix Jopkiewicz" userId="edf806554f9ecbfe" providerId="LiveId" clId="{DC79DADA-EAE2-4781-9E4B-0D3041193BF8}" dt="2020-06-15T11:30:28.248" v="219" actId="26606"/>
+          <ac:spMkLst>
+            <pc:docMk/>
+            <pc:sldMk cId="4091333084" sldId="258"/>
+            <ac:spMk id="61" creationId="{6BF36B24-6632-4516-9692-731462896C1F}"/>
+          </ac:spMkLst>
+        </pc:spChg>
+        <pc:spChg chg="add del">
+          <ac:chgData name="Felix Jopkiewicz" userId="edf806554f9ecbfe" providerId="LiveId" clId="{DC79DADA-EAE2-4781-9E4B-0D3041193BF8}" dt="2020-06-15T11:30:28.951" v="221" actId="26606"/>
+          <ac:spMkLst>
+            <pc:docMk/>
+            <pc:sldMk cId="4091333084" sldId="258"/>
+            <ac:spMk id="63" creationId="{39E3965E-AC41-4711-9D10-E25ABB132D86}"/>
+          </ac:spMkLst>
+        </pc:spChg>
+        <pc:spChg chg="add del">
+          <ac:chgData name="Felix Jopkiewicz" userId="edf806554f9ecbfe" providerId="LiveId" clId="{DC79DADA-EAE2-4781-9E4B-0D3041193BF8}" dt="2020-06-15T11:30:28.951" v="221" actId="26606"/>
+          <ac:spMkLst>
+            <pc:docMk/>
+            <pc:sldMk cId="4091333084" sldId="258"/>
+            <ac:spMk id="65" creationId="{34461041-8413-4023-ABA7-9E499B0AD995}"/>
+          </ac:spMkLst>
+        </pc:spChg>
+        <pc:spChg chg="add del">
+          <ac:chgData name="Felix Jopkiewicz" userId="edf806554f9ecbfe" providerId="LiveId" clId="{DC79DADA-EAE2-4781-9E4B-0D3041193BF8}" dt="2020-06-15T11:30:28.951" v="221" actId="26606"/>
+          <ac:spMkLst>
+            <pc:docMk/>
+            <pc:sldMk cId="4091333084" sldId="258"/>
+            <ac:spMk id="67" creationId="{53B4A494-ED20-47DD-A927-05EA273B0F1F}"/>
+          </ac:spMkLst>
+        </pc:spChg>
+        <pc:spChg chg="add">
+          <ac:chgData name="Felix Jopkiewicz" userId="edf806554f9ecbfe" providerId="LiveId" clId="{DC79DADA-EAE2-4781-9E4B-0D3041193BF8}" dt="2020-06-15T11:31:47.355" v="265" actId="26606"/>
+          <ac:spMkLst>
+            <pc:docMk/>
+            <pc:sldMk cId="4091333084" sldId="258"/>
+            <ac:spMk id="68" creationId="{39E3965E-AC41-4711-9D10-E25ABB132D86}"/>
+          </ac:spMkLst>
+        </pc:spChg>
+        <pc:spChg chg="add del">
+          <ac:chgData name="Felix Jopkiewicz" userId="edf806554f9ecbfe" providerId="LiveId" clId="{DC79DADA-EAE2-4781-9E4B-0D3041193BF8}" dt="2020-06-15T11:30:32.372" v="223" actId="26606"/>
+          <ac:spMkLst>
+            <pc:docMk/>
+            <pc:sldMk cId="4091333084" sldId="258"/>
+            <ac:spMk id="69" creationId="{39E3965E-AC41-4711-9D10-E25ABB132D86}"/>
+          </ac:spMkLst>
+        </pc:spChg>
+        <pc:spChg chg="add del">
+          <ac:chgData name="Felix Jopkiewicz" userId="edf806554f9ecbfe" providerId="LiveId" clId="{DC79DADA-EAE2-4781-9E4B-0D3041193BF8}" dt="2020-06-15T11:30:32.372" v="223" actId="26606"/>
+          <ac:spMkLst>
+            <pc:docMk/>
+            <pc:sldMk cId="4091333084" sldId="258"/>
+            <ac:spMk id="71" creationId="{990BAFCD-EA0A-47F4-8B00-AAB1E67A90CC}"/>
+          </ac:spMkLst>
+        </pc:spChg>
+        <pc:spChg chg="add del">
+          <ac:chgData name="Felix Jopkiewicz" userId="edf806554f9ecbfe" providerId="LiveId" clId="{DC79DADA-EAE2-4781-9E4B-0D3041193BF8}" dt="2020-06-15T11:30:32.372" v="223" actId="26606"/>
+          <ac:spMkLst>
+            <pc:docMk/>
+            <pc:sldMk cId="4091333084" sldId="258"/>
+            <ac:spMk id="72" creationId="{2F9C61D6-37CC-4AD4-83C3-022D08874179}"/>
+          </ac:spMkLst>
+        </pc:spChg>
+        <pc:spChg chg="add">
+          <ac:chgData name="Felix Jopkiewicz" userId="edf806554f9ecbfe" providerId="LiveId" clId="{DC79DADA-EAE2-4781-9E4B-0D3041193BF8}" dt="2020-06-15T11:31:47.355" v="265" actId="26606"/>
+          <ac:spMkLst>
+            <pc:docMk/>
+            <pc:sldMk cId="4091333084" sldId="258"/>
+            <ac:spMk id="75" creationId="{548B4202-DCD5-4F8C-B481-743A989A9DFF}"/>
+          </ac:spMkLst>
+        </pc:spChg>
+        <pc:spChg chg="add">
+          <ac:chgData name="Felix Jopkiewicz" userId="edf806554f9ecbfe" providerId="LiveId" clId="{DC79DADA-EAE2-4781-9E4B-0D3041193BF8}" dt="2020-06-15T11:31:47.355" v="265" actId="26606"/>
+          <ac:spMkLst>
+            <pc:docMk/>
+            <pc:sldMk cId="4091333084" sldId="258"/>
+            <ac:spMk id="77" creationId="{8EE702CF-91CE-4661-ACBF-3C8160D1B433}"/>
+          </ac:spMkLst>
+        </pc:spChg>
+        <pc:spChg chg="add del mod">
+          <ac:chgData name="Felix Jopkiewicz" userId="edf806554f9ecbfe" providerId="LiveId" clId="{DC79DADA-EAE2-4781-9E4B-0D3041193BF8}" dt="2020-06-15T11:32:10.662" v="272" actId="478"/>
+          <ac:spMkLst>
+            <pc:docMk/>
+            <pc:sldMk cId="4091333084" sldId="258"/>
+            <ac:spMk id="79" creationId="{8E7B8452-C626-4343-8ABD-731A9E1E2B7B}"/>
+          </ac:spMkLst>
+        </pc:spChg>
+        <pc:picChg chg="add del mod ord">
+          <ac:chgData name="Felix Jopkiewicz" userId="edf806554f9ecbfe" providerId="LiveId" clId="{DC79DADA-EAE2-4781-9E4B-0D3041193BF8}" dt="2020-06-15T11:29:32.595" v="183"/>
+          <ac:picMkLst>
+            <pc:docMk/>
+            <pc:sldMk cId="4091333084" sldId="258"/>
+            <ac:picMk id="4" creationId="{2D45F3A9-566E-45D8-843D-05F33CA99E1E}"/>
+          </ac:picMkLst>
+        </pc:picChg>
+        <pc:picChg chg="add del mod ord">
+          <ac:chgData name="Felix Jopkiewicz" userId="edf806554f9ecbfe" providerId="LiveId" clId="{DC79DADA-EAE2-4781-9E4B-0D3041193BF8}" dt="2020-06-15T11:29:57.162" v="201"/>
+          <ac:picMkLst>
+            <pc:docMk/>
+            <pc:sldMk cId="4091333084" sldId="258"/>
+            <ac:picMk id="5" creationId="{E2AE170C-D5F5-4609-835D-B18C216212E0}"/>
+          </ac:picMkLst>
+        </pc:picChg>
+        <pc:picChg chg="add del mod ord">
+          <ac:chgData name="Felix Jopkiewicz" userId="edf806554f9ecbfe" providerId="LiveId" clId="{DC79DADA-EAE2-4781-9E4B-0D3041193BF8}" dt="2020-06-15T11:30:34.356" v="232"/>
+          <ac:picMkLst>
+            <pc:docMk/>
+            <pc:sldMk cId="4091333084" sldId="258"/>
+            <ac:picMk id="6" creationId="{2A8FF54C-703C-44A9-A856-37260930DDE0}"/>
+          </ac:picMkLst>
+        </pc:picChg>
+        <pc:picChg chg="add del mod">
+          <ac:chgData name="Felix Jopkiewicz" userId="edf806554f9ecbfe" providerId="LiveId" clId="{DC79DADA-EAE2-4781-9E4B-0D3041193BF8}" dt="2020-06-15T11:31:26.391" v="261"/>
+          <ac:picMkLst>
+            <pc:docMk/>
+            <pc:sldMk cId="4091333084" sldId="258"/>
+            <ac:picMk id="7" creationId="{123A07C4-CBE6-4EF6-9C53-3B5049E9B176}"/>
+          </ac:picMkLst>
+        </pc:picChg>
+        <pc:picChg chg="add del mod">
+          <ac:chgData name="Felix Jopkiewicz" userId="edf806554f9ecbfe" providerId="LiveId" clId="{DC79DADA-EAE2-4781-9E4B-0D3041193BF8}" dt="2020-06-15T11:31:48.948" v="266" actId="478"/>
+          <ac:picMkLst>
+            <pc:docMk/>
+            <pc:sldMk cId="4091333084" sldId="258"/>
+            <ac:picMk id="52" creationId="{CC6324A6-3A36-4B1C-B15D-FDE3040D00A0}"/>
+          </ac:picMkLst>
+        </pc:picChg>
+        <pc:picChg chg="add mod ord">
+          <ac:chgData name="Felix Jopkiewicz" userId="edf806554f9ecbfe" providerId="LiveId" clId="{DC79DADA-EAE2-4781-9E4B-0D3041193BF8}" dt="2020-06-15T11:35:52.429" v="302" actId="14100"/>
+          <ac:picMkLst>
+            <pc:docMk/>
+            <pc:sldMk cId="4091333084" sldId="258"/>
+            <ac:picMk id="80" creationId="{3298A36D-857E-4654-B7E3-20E170FB52AA}"/>
+          </ac:picMkLst>
+        </pc:picChg>
+        <pc:cxnChg chg="add del">
+          <ac:chgData name="Felix Jopkiewicz" userId="edf806554f9ecbfe" providerId="LiveId" clId="{DC79DADA-EAE2-4781-9E4B-0D3041193BF8}" dt="2020-06-15T11:27:50.523" v="178" actId="26606"/>
+          <ac:cxnSpMkLst>
+            <pc:docMk/>
+            <pc:sldMk cId="4091333084" sldId="258"/>
+            <ac:cxnSpMk id="13" creationId="{E04A321A-A039-4720-87B4-66A4210E0D57}"/>
+          </ac:cxnSpMkLst>
+        </pc:cxnChg>
+        <pc:cxnChg chg="add del">
+          <ac:chgData name="Felix Jopkiewicz" userId="edf806554f9ecbfe" providerId="LiveId" clId="{DC79DADA-EAE2-4781-9E4B-0D3041193BF8}" dt="2020-06-15T11:29:38.667" v="186" actId="26606"/>
+          <ac:cxnSpMkLst>
+            <pc:docMk/>
+            <pc:sldMk cId="4091333084" sldId="258"/>
+            <ac:cxnSpMk id="14" creationId="{55646586-8E5D-4A2B-BDA9-01CE28AC89A1}"/>
+          </ac:cxnSpMkLst>
+        </pc:cxnChg>
+        <pc:cxnChg chg="add del">
+          <ac:chgData name="Felix Jopkiewicz" userId="edf806554f9ecbfe" providerId="LiveId" clId="{DC79DADA-EAE2-4781-9E4B-0D3041193BF8}" dt="2020-06-15T11:29:31.548" v="182" actId="26606"/>
+          <ac:cxnSpMkLst>
+            <pc:docMk/>
+            <pc:sldMk cId="4091333084" sldId="258"/>
+            <ac:cxnSpMk id="17" creationId="{55646586-8E5D-4A2B-BDA9-01CE28AC89A1}"/>
+          </ac:cxnSpMkLst>
+        </pc:cxnChg>
+        <pc:cxnChg chg="add del">
+          <ac:chgData name="Felix Jopkiewicz" userId="edf806554f9ecbfe" providerId="LiveId" clId="{DC79DADA-EAE2-4781-9E4B-0D3041193BF8}" dt="2020-06-15T11:29:39.260" v="188" actId="26606"/>
+          <ac:cxnSpMkLst>
+            <pc:docMk/>
+            <pc:sldMk cId="4091333084" sldId="258"/>
+            <ac:cxnSpMk id="19" creationId="{EEB57AA8-F021-480C-A9E2-F89913313611}"/>
+          </ac:cxnSpMkLst>
+        </pc:cxnChg>
+        <pc:cxnChg chg="add del">
+          <ac:chgData name="Felix Jopkiewicz" userId="edf806554f9ecbfe" providerId="LiveId" clId="{DC79DADA-EAE2-4781-9E4B-0D3041193BF8}" dt="2020-06-15T11:29:39.792" v="190" actId="26606"/>
+          <ac:cxnSpMkLst>
+            <pc:docMk/>
+            <pc:sldMk cId="4091333084" sldId="258"/>
+            <ac:cxnSpMk id="24" creationId="{E04A321A-A039-4720-87B4-66A4210E0D57}"/>
+          </ac:cxnSpMkLst>
+        </pc:cxnChg>
+        <pc:cxnChg chg="add del">
+          <ac:chgData name="Felix Jopkiewicz" userId="edf806554f9ecbfe" providerId="LiveId" clId="{DC79DADA-EAE2-4781-9E4B-0D3041193BF8}" dt="2020-06-15T11:30:16.282" v="205" actId="26606"/>
+          <ac:cxnSpMkLst>
+            <pc:docMk/>
+            <pc:sldMk cId="4091333084" sldId="258"/>
+            <ac:cxnSpMk id="25" creationId="{55646586-8E5D-4A2B-BDA9-01CE28AC89A1}"/>
+          </ac:cxnSpMkLst>
+        </pc:cxnChg>
+        <pc:cxnChg chg="add del">
+          <ac:chgData name="Felix Jopkiewicz" userId="edf806554f9ecbfe" providerId="LiveId" clId="{DC79DADA-EAE2-4781-9E4B-0D3041193BF8}" dt="2020-06-15T11:29:41.697" v="192" actId="26606"/>
+          <ac:cxnSpMkLst>
+            <pc:docMk/>
+            <pc:sldMk cId="4091333084" sldId="258"/>
+            <ac:cxnSpMk id="27" creationId="{754A678E-8F30-4E92-A5BF-F5D03D011394}"/>
+          </ac:cxnSpMkLst>
+        </pc:cxnChg>
+        <pc:cxnChg chg="add del">
+          <ac:chgData name="Felix Jopkiewicz" userId="edf806554f9ecbfe" providerId="LiveId" clId="{DC79DADA-EAE2-4781-9E4B-0D3041193BF8}" dt="2020-06-15T11:30:17.954" v="207" actId="26606"/>
+          <ac:cxnSpMkLst>
+            <pc:docMk/>
+            <pc:sldMk cId="4091333084" sldId="258"/>
+            <ac:cxnSpMk id="32" creationId="{1F5DC8C3-BA5F-4EED-BB9A-A14272BD82A1}"/>
+          </ac:cxnSpMkLst>
+        </pc:cxnChg>
+        <pc:cxnChg chg="add del">
+          <ac:chgData name="Felix Jopkiewicz" userId="edf806554f9ecbfe" providerId="LiveId" clId="{DC79DADA-EAE2-4781-9E4B-0D3041193BF8}" dt="2020-06-15T11:29:47.758" v="196" actId="26606"/>
+          <ac:cxnSpMkLst>
+            <pc:docMk/>
+            <pc:sldMk cId="4091333084" sldId="258"/>
+            <ac:cxnSpMk id="34" creationId="{7855A9B5-1710-4B19-B0F1-CDFDD4ED5B7E}"/>
+          </ac:cxnSpMkLst>
+        </pc:cxnChg>
+        <pc:cxnChg chg="add del">
+          <ac:chgData name="Felix Jopkiewicz" userId="edf806554f9ecbfe" providerId="LiveId" clId="{DC79DADA-EAE2-4781-9E4B-0D3041193BF8}" dt="2020-06-15T11:30:17.954" v="207" actId="26606"/>
+          <ac:cxnSpMkLst>
+            <pc:docMk/>
+            <pc:sldMk cId="4091333084" sldId="258"/>
+            <ac:cxnSpMk id="38" creationId="{2669285E-35F6-4010-B084-229A808458CD}"/>
+          </ac:cxnSpMkLst>
+        </pc:cxnChg>
+        <pc:cxnChg chg="add del">
+          <ac:chgData name="Felix Jopkiewicz" userId="edf806554f9ecbfe" providerId="LiveId" clId="{DC79DADA-EAE2-4781-9E4B-0D3041193BF8}" dt="2020-06-15T11:30:34.169" v="231" actId="26606"/>
+          <ac:cxnSpMkLst>
+            <pc:docMk/>
+            <pc:sldMk cId="4091333084" sldId="258"/>
+            <ac:cxnSpMk id="41" creationId="{1F5DC8C3-BA5F-4EED-BB9A-A14272BD82A1}"/>
+          </ac:cxnSpMkLst>
+        </pc:cxnChg>
+        <pc:cxnChg chg="add del">
+          <ac:chgData name="Felix Jopkiewicz" userId="edf806554f9ecbfe" providerId="LiveId" clId="{DC79DADA-EAE2-4781-9E4B-0D3041193BF8}" dt="2020-06-15T11:30:34.169" v="231" actId="26606"/>
+          <ac:cxnSpMkLst>
+            <pc:docMk/>
+            <pc:sldMk cId="4091333084" sldId="258"/>
+            <ac:cxnSpMk id="43" creationId="{F7F57F6B-E621-4E40-A34D-2FE12902AA20}"/>
+          </ac:cxnSpMkLst>
+        </pc:cxnChg>
+        <pc:cxnChg chg="add del">
+          <ac:chgData name="Felix Jopkiewicz" userId="edf806554f9ecbfe" providerId="LiveId" clId="{DC79DADA-EAE2-4781-9E4B-0D3041193BF8}" dt="2020-06-15T11:31:25.719" v="260" actId="26606"/>
+          <ac:cxnSpMkLst>
+            <pc:docMk/>
+            <pc:sldMk cId="4091333084" sldId="258"/>
+            <ac:cxnSpMk id="45" creationId="{1F5DC8C3-BA5F-4EED-BB9A-A14272BD82A1}"/>
+          </ac:cxnSpMkLst>
+        </pc:cxnChg>
+        <pc:cxnChg chg="add del">
+          <ac:chgData name="Felix Jopkiewicz" userId="edf806554f9ecbfe" providerId="LiveId" clId="{DC79DADA-EAE2-4781-9E4B-0D3041193BF8}" dt="2020-06-15T11:31:25.719" v="260" actId="26606"/>
+          <ac:cxnSpMkLst>
+            <pc:docMk/>
+            <pc:sldMk cId="4091333084" sldId="258"/>
+            <ac:cxnSpMk id="47" creationId="{F7F57F6B-E621-4E40-A34D-2FE12902AA20}"/>
+          </ac:cxnSpMkLst>
+        </pc:cxnChg>
+        <pc:cxnChg chg="add del">
+          <ac:chgData name="Felix Jopkiewicz" userId="edf806554f9ecbfe" providerId="LiveId" clId="{DC79DADA-EAE2-4781-9E4B-0D3041193BF8}" dt="2020-06-15T11:30:27.686" v="217" actId="26606"/>
+          <ac:cxnSpMkLst>
+            <pc:docMk/>
+            <pc:sldMk cId="4091333084" sldId="258"/>
+            <ac:cxnSpMk id="51" creationId="{1F5DC8C3-BA5F-4EED-BB9A-A14272BD82A1}"/>
+          </ac:cxnSpMkLst>
+        </pc:cxnChg>
+        <pc:cxnChg chg="add del">
+          <ac:chgData name="Felix Jopkiewicz" userId="edf806554f9ecbfe" providerId="LiveId" clId="{DC79DADA-EAE2-4781-9E4B-0D3041193BF8}" dt="2020-06-15T11:30:27.686" v="217" actId="26606"/>
+          <ac:cxnSpMkLst>
+            <pc:docMk/>
+            <pc:sldMk cId="4091333084" sldId="258"/>
+            <ac:cxnSpMk id="55" creationId="{F05BCF04-4702-43D0-BE8F-DBF6C2F65131}"/>
+          </ac:cxnSpMkLst>
+        </pc:cxnChg>
+        <pc:cxnChg chg="add del">
+          <ac:chgData name="Felix Jopkiewicz" userId="edf806554f9ecbfe" providerId="LiveId" clId="{DC79DADA-EAE2-4781-9E4B-0D3041193BF8}" dt="2020-06-15T11:30:28.248" v="219" actId="26606"/>
+          <ac:cxnSpMkLst>
+            <pc:docMk/>
+            <pc:sldMk cId="4091333084" sldId="258"/>
+            <ac:cxnSpMk id="60" creationId="{EEB57AA8-F021-480C-A9E2-F89913313611}"/>
+          </ac:cxnSpMkLst>
+        </pc:cxnChg>
+        <pc:cxnChg chg="add del">
+          <ac:chgData name="Felix Jopkiewicz" userId="edf806554f9ecbfe" providerId="LiveId" clId="{DC79DADA-EAE2-4781-9E4B-0D3041193BF8}" dt="2020-06-15T11:31:47.355" v="264" actId="26606"/>
+          <ac:cxnSpMkLst>
+            <pc:docMk/>
+            <pc:sldMk cId="4091333084" sldId="258"/>
+            <ac:cxnSpMk id="62" creationId="{55646586-8E5D-4A2B-BDA9-01CE28AC89A1}"/>
+          </ac:cxnSpMkLst>
+        </pc:cxnChg>
+        <pc:cxnChg chg="add del">
+          <ac:chgData name="Felix Jopkiewicz" userId="edf806554f9ecbfe" providerId="LiveId" clId="{DC79DADA-EAE2-4781-9E4B-0D3041193BF8}" dt="2020-06-15T11:30:28.951" v="221" actId="26606"/>
+          <ac:cxnSpMkLst>
+            <pc:docMk/>
+            <pc:sldMk cId="4091333084" sldId="258"/>
+            <ac:cxnSpMk id="64" creationId="{1F5DC8C3-BA5F-4EED-BB9A-A14272BD82A1}"/>
+          </ac:cxnSpMkLst>
+        </pc:cxnChg>
+        <pc:cxnChg chg="add del">
+          <ac:chgData name="Felix Jopkiewicz" userId="edf806554f9ecbfe" providerId="LiveId" clId="{DC79DADA-EAE2-4781-9E4B-0D3041193BF8}" dt="2020-06-15T11:30:28.951" v="221" actId="26606"/>
+          <ac:cxnSpMkLst>
+            <pc:docMk/>
+            <pc:sldMk cId="4091333084" sldId="258"/>
+            <ac:cxnSpMk id="66" creationId="{F05BCF04-4702-43D0-BE8F-DBF6C2F65131}"/>
+          </ac:cxnSpMkLst>
+        </pc:cxnChg>
+        <pc:cxnChg chg="add del">
+          <ac:chgData name="Felix Jopkiewicz" userId="edf806554f9ecbfe" providerId="LiveId" clId="{DC79DADA-EAE2-4781-9E4B-0D3041193BF8}" dt="2020-06-15T11:30:32.372" v="223" actId="26606"/>
+          <ac:cxnSpMkLst>
+            <pc:docMk/>
+            <pc:sldMk cId="4091333084" sldId="258"/>
+            <ac:cxnSpMk id="70" creationId="{1F5DC8C3-BA5F-4EED-BB9A-A14272BD82A1}"/>
+          </ac:cxnSpMkLst>
+        </pc:cxnChg>
+        <pc:cxnChg chg="add del">
+          <ac:chgData name="Felix Jopkiewicz" userId="edf806554f9ecbfe" providerId="LiveId" clId="{DC79DADA-EAE2-4781-9E4B-0D3041193BF8}" dt="2020-06-15T11:30:32.372" v="223" actId="26606"/>
+          <ac:cxnSpMkLst>
+            <pc:docMk/>
+            <pc:sldMk cId="4091333084" sldId="258"/>
+            <ac:cxnSpMk id="73" creationId="{2669285E-35F6-4010-B084-229A808458CD}"/>
+          </ac:cxnSpMkLst>
+        </pc:cxnChg>
+        <pc:cxnChg chg="add">
+          <ac:chgData name="Felix Jopkiewicz" userId="edf806554f9ecbfe" providerId="LiveId" clId="{DC79DADA-EAE2-4781-9E4B-0D3041193BF8}" dt="2020-06-15T11:31:47.355" v="265" actId="26606"/>
+          <ac:cxnSpMkLst>
+            <pc:docMk/>
+            <pc:sldMk cId="4091333084" sldId="258"/>
+            <ac:cxnSpMk id="74" creationId="{1F5DC8C3-BA5F-4EED-BB9A-A14272BD82A1}"/>
+          </ac:cxnSpMkLst>
+        </pc:cxnChg>
+        <pc:cxnChg chg="add">
+          <ac:chgData name="Felix Jopkiewicz" userId="edf806554f9ecbfe" providerId="LiveId" clId="{DC79DADA-EAE2-4781-9E4B-0D3041193BF8}" dt="2020-06-15T11:31:47.355" v="265" actId="26606"/>
+          <ac:cxnSpMkLst>
+            <pc:docMk/>
+            <pc:sldMk cId="4091333084" sldId="258"/>
+            <ac:cxnSpMk id="76" creationId="{F7F57F6B-E621-4E40-A34D-2FE12902AA20}"/>
+          </ac:cxnSpMkLst>
+        </pc:cxnChg>
       </pc:sldChg>
     </pc:docChg>
   </pc:docChgLst>
@@ -4350,6 +4989,14 @@
 <file path=ppt/slides/slide3.xml><?xml version="1.0" encoding="utf-8"?>
 <p:sld xmlns:a="http://schemas.openxmlformats.org/drawingml/2006/main" xmlns:r="http://schemas.openxmlformats.org/officeDocument/2006/relationships" xmlns:p="http://schemas.openxmlformats.org/presentationml/2006/main">
   <p:cSld>
+    <p:bg>
+      <p:bgPr>
+        <a:solidFill>
+          <a:schemeClr val="bg1"/>
+        </a:solidFill>
+        <a:effectLst/>
+      </p:bgPr>
+    </p:bg>
     <p:spTree>
       <p:nvGrpSpPr>
         <p:cNvPr id="1" name=""/>
@@ -4366,6 +5013,316 @@
       </p:grpSpPr>
       <p:sp>
         <p:nvSpPr>
+          <p:cNvPr id="68" name="Rectangle 56">
+            <a:extLst>
+              <a:ext uri="{FF2B5EF4-FFF2-40B4-BE49-F238E27FC236}">
+                <a16:creationId xmlns:a16="http://schemas.microsoft.com/office/drawing/2014/main" id="{39E3965E-AC41-4711-9D10-E25ABB132D86}"/>
+              </a:ext>
+              <a:ext uri="{C183D7F6-B498-43B3-948B-1728B52AA6E4}">
+                <adec:decorative xmlns:adec="http://schemas.microsoft.com/office/drawing/2017/decorative" val="1"/>
+              </a:ext>
+            </a:extLst>
+          </p:cNvPr>
+          <p:cNvSpPr>
+            <a:spLocks noGrp="1" noRot="1" noChangeAspect="1" noMove="1" noResize="1" noEditPoints="1" noAdjustHandles="1" noChangeArrowheads="1" noChangeShapeType="1" noTextEdit="1"/>
+          </p:cNvSpPr>
+          <p:nvPr>
+            <p:extLst>
+              <p:ext uri="{386F3935-93C4-4BCD-93E2-E3B085C9AB24}">
+                <p16:designElem xmlns:p16="http://schemas.microsoft.com/office/powerpoint/2015/main" val="1"/>
+              </p:ext>
+            </p:extLst>
+          </p:nvPr>
+        </p:nvSpPr>
+        <p:spPr>
+          <a:xfrm>
+            <a:off x="3175" y="6400800"/>
+            <a:ext cx="12188825" cy="457200"/>
+          </a:xfrm>
+          <a:prstGeom prst="rect">
+            <a:avLst/>
+          </a:prstGeom>
+          <a:solidFill>
+            <a:srgbClr val="262626"/>
+          </a:solidFill>
+          <a:ln>
+            <a:noFill/>
+          </a:ln>
+        </p:spPr>
+        <p:style>
+          <a:lnRef idx="2">
+            <a:schemeClr val="accent1">
+              <a:shade val="50000"/>
+            </a:schemeClr>
+          </a:lnRef>
+          <a:fillRef idx="1">
+            <a:schemeClr val="accent1"/>
+          </a:fillRef>
+          <a:effectRef idx="0">
+            <a:schemeClr val="accent1"/>
+          </a:effectRef>
+          <a:fontRef idx="minor">
+            <a:schemeClr val="lt1"/>
+          </a:fontRef>
+        </p:style>
+      </p:sp>
+      <p:cxnSp>
+        <p:nvCxnSpPr>
+          <p:cNvPr id="74" name="Straight Connector 58">
+            <a:extLst>
+              <a:ext uri="{FF2B5EF4-FFF2-40B4-BE49-F238E27FC236}">
+                <a16:creationId xmlns:a16="http://schemas.microsoft.com/office/drawing/2014/main" id="{1F5DC8C3-BA5F-4EED-BB9A-A14272BD82A1}"/>
+              </a:ext>
+              <a:ext uri="{C183D7F6-B498-43B3-948B-1728B52AA6E4}">
+                <adec:decorative xmlns:adec="http://schemas.microsoft.com/office/drawing/2017/decorative" val="1"/>
+              </a:ext>
+            </a:extLst>
+          </p:cNvPr>
+          <p:cNvCxnSpPr>
+            <a:cxnSpLocks noGrp="1" noRot="1" noChangeAspect="1" noMove="1" noResize="1" noEditPoints="1" noAdjustHandles="1" noChangeArrowheads="1" noChangeShapeType="1"/>
+          </p:cNvCxnSpPr>
+          <p:nvPr>
+            <p:extLst>
+              <p:ext uri="{386F3935-93C4-4BCD-93E2-E3B085C9AB24}">
+                <p16:designElem xmlns:p16="http://schemas.microsoft.com/office/powerpoint/2015/main" val="1"/>
+              </p:ext>
+            </p:extLst>
+          </p:nvPr>
+        </p:nvCxnSpPr>
+        <p:spPr>
+          <a:xfrm>
+            <a:off x="1207658" y="4474741"/>
+            <a:ext cx="9875520" cy="0"/>
+          </a:xfrm>
+          <a:prstGeom prst="line">
+            <a:avLst/>
+          </a:prstGeom>
+          <a:ln w="12700">
+            <a:solidFill>
+              <a:schemeClr val="tx1">
+                <a:lumMod val="75000"/>
+                <a:lumOff val="25000"/>
+              </a:schemeClr>
+            </a:solidFill>
+          </a:ln>
+        </p:spPr>
+        <p:style>
+          <a:lnRef idx="1">
+            <a:schemeClr val="accent1"/>
+          </a:lnRef>
+          <a:fillRef idx="0">
+            <a:schemeClr val="accent1"/>
+          </a:fillRef>
+          <a:effectRef idx="0">
+            <a:schemeClr val="accent1"/>
+          </a:effectRef>
+          <a:fontRef idx="minor">
+            <a:schemeClr val="tx1"/>
+          </a:fontRef>
+        </p:style>
+      </p:cxnSp>
+      <p:sp useBgFill="1">
+        <p:nvSpPr>
+          <p:cNvPr id="75" name="Rectangle 60">
+            <a:extLst>
+              <a:ext uri="{FF2B5EF4-FFF2-40B4-BE49-F238E27FC236}">
+                <a16:creationId xmlns:a16="http://schemas.microsoft.com/office/drawing/2014/main" id="{548B4202-DCD5-4F8C-B481-743A989A9DFF}"/>
+              </a:ext>
+              <a:ext uri="{C183D7F6-B498-43B3-948B-1728B52AA6E4}">
+                <adec:decorative xmlns:adec="http://schemas.microsoft.com/office/drawing/2017/decorative" val="1"/>
+              </a:ext>
+            </a:extLst>
+          </p:cNvPr>
+          <p:cNvSpPr>
+            <a:spLocks noGrp="1" noRot="1" noChangeAspect="1" noMove="1" noResize="1" noEditPoints="1" noAdjustHandles="1" noChangeArrowheads="1" noChangeShapeType="1" noTextEdit="1"/>
+          </p:cNvSpPr>
+          <p:nvPr>
+            <p:extLst>
+              <p:ext uri="{386F3935-93C4-4BCD-93E2-E3B085C9AB24}">
+                <p16:designElem xmlns:p16="http://schemas.microsoft.com/office/powerpoint/2015/main" val="1"/>
+              </p:ext>
+            </p:extLst>
+          </p:nvPr>
+        </p:nvSpPr>
+        <p:spPr>
+          <a:xfrm>
+            <a:off x="0" y="0"/>
+            <a:ext cx="12192001" cy="6858000"/>
+          </a:xfrm>
+          <a:prstGeom prst="rect">
+            <a:avLst/>
+          </a:prstGeom>
+          <a:ln>
+            <a:noFill/>
+          </a:ln>
+        </p:spPr>
+        <p:style>
+          <a:lnRef idx="2">
+            <a:schemeClr val="accent1">
+              <a:shade val="50000"/>
+            </a:schemeClr>
+          </a:lnRef>
+          <a:fillRef idx="1">
+            <a:schemeClr val="accent1"/>
+          </a:fillRef>
+          <a:effectRef idx="0">
+            <a:schemeClr val="accent1"/>
+          </a:effectRef>
+          <a:fontRef idx="minor">
+            <a:schemeClr val="lt1"/>
+          </a:fontRef>
+        </p:style>
+        <p:txBody>
+          <a:bodyPr rtlCol="0" anchor="ctr"/>
+          <a:lstStyle/>
+          <a:p>
+            <a:pPr algn="ctr"/>
+            <a:endParaRPr lang="en-US"/>
+          </a:p>
+        </p:txBody>
+      </p:sp>
+      <p:cxnSp>
+        <p:nvCxnSpPr>
+          <p:cNvPr id="76" name="Straight Connector 62">
+            <a:extLst>
+              <a:ext uri="{FF2B5EF4-FFF2-40B4-BE49-F238E27FC236}">
+                <a16:creationId xmlns:a16="http://schemas.microsoft.com/office/drawing/2014/main" id="{F7F57F6B-E621-4E40-A34D-2FE12902AA20}"/>
+              </a:ext>
+              <a:ext uri="{C183D7F6-B498-43B3-948B-1728B52AA6E4}">
+                <adec:decorative xmlns:adec="http://schemas.microsoft.com/office/drawing/2017/decorative" val="1"/>
+              </a:ext>
+            </a:extLst>
+          </p:cNvPr>
+          <p:cNvCxnSpPr>
+            <a:cxnSpLocks noGrp="1" noRot="1" noChangeAspect="1" noMove="1" noResize="1" noEditPoints="1" noAdjustHandles="1" noChangeArrowheads="1" noChangeShapeType="1"/>
+          </p:cNvCxnSpPr>
+          <p:nvPr>
+            <p:extLst>
+              <p:ext uri="{386F3935-93C4-4BCD-93E2-E3B085C9AB24}">
+                <p16:designElem xmlns:p16="http://schemas.microsoft.com/office/powerpoint/2015/main" val="1"/>
+              </p:ext>
+            </p:extLst>
+          </p:nvPr>
+        </p:nvCxnSpPr>
+        <p:spPr>
+          <a:xfrm>
+            <a:off x="721086" y="5645296"/>
+            <a:ext cx="10515600" cy="0"/>
+          </a:xfrm>
+          <a:prstGeom prst="line">
+            <a:avLst/>
+          </a:prstGeom>
+          <a:ln w="12700">
+            <a:solidFill>
+              <a:schemeClr val="tx1">
+                <a:lumMod val="75000"/>
+                <a:lumOff val="25000"/>
+              </a:schemeClr>
+            </a:solidFill>
+          </a:ln>
+        </p:spPr>
+        <p:style>
+          <a:lnRef idx="1">
+            <a:schemeClr val="accent1"/>
+          </a:lnRef>
+          <a:fillRef idx="0">
+            <a:schemeClr val="accent1"/>
+          </a:fillRef>
+          <a:effectRef idx="0">
+            <a:schemeClr val="accent1"/>
+          </a:effectRef>
+          <a:fontRef idx="minor">
+            <a:schemeClr val="tx1"/>
+          </a:fontRef>
+        </p:style>
+      </p:cxnSp>
+      <p:pic>
+        <p:nvPicPr>
+          <p:cNvPr id="80" name="Grafik 79">
+            <a:extLst>
+              <a:ext uri="{FF2B5EF4-FFF2-40B4-BE49-F238E27FC236}">
+                <a16:creationId xmlns:a16="http://schemas.microsoft.com/office/drawing/2014/main" id="{3298A36D-857E-4654-B7E3-20E170FB52AA}"/>
+              </a:ext>
+            </a:extLst>
+          </p:cNvPr>
+          <p:cNvPicPr>
+            <a:picLocks noChangeAspect="1"/>
+          </p:cNvPicPr>
+          <p:nvPr/>
+        </p:nvPicPr>
+        <p:blipFill>
+          <a:blip r:embed="rId2"/>
+          <a:stretch>
+            <a:fillRect/>
+          </a:stretch>
+        </p:blipFill>
+        <p:spPr>
+          <a:xfrm>
+            <a:off x="49418" y="0"/>
+            <a:ext cx="12192000" cy="6400800"/>
+          </a:xfrm>
+          <a:prstGeom prst="rect">
+            <a:avLst/>
+          </a:prstGeom>
+        </p:spPr>
+      </p:pic>
+      <p:sp>
+        <p:nvSpPr>
+          <p:cNvPr id="77" name="Rectangle 64">
+            <a:extLst>
+              <a:ext uri="{FF2B5EF4-FFF2-40B4-BE49-F238E27FC236}">
+                <a16:creationId xmlns:a16="http://schemas.microsoft.com/office/drawing/2014/main" id="{8EE702CF-91CE-4661-ACBF-3C8160D1B433}"/>
+              </a:ext>
+              <a:ext uri="{C183D7F6-B498-43B3-948B-1728B52AA6E4}">
+                <adec:decorative xmlns:adec="http://schemas.microsoft.com/office/drawing/2017/decorative" val="1"/>
+              </a:ext>
+            </a:extLst>
+          </p:cNvPr>
+          <p:cNvSpPr>
+            <a:spLocks noGrp="1" noRot="1" noChangeAspect="1" noMove="1" noResize="1" noEditPoints="1" noAdjustHandles="1" noChangeArrowheads="1" noChangeShapeType="1" noTextEdit="1"/>
+          </p:cNvSpPr>
+          <p:nvPr>
+            <p:extLst>
+              <p:ext uri="{386F3935-93C4-4BCD-93E2-E3B085C9AB24}">
+                <p16:designElem xmlns:p16="http://schemas.microsoft.com/office/powerpoint/2015/main" val="1"/>
+              </p:ext>
+            </p:extLst>
+          </p:nvPr>
+        </p:nvSpPr>
+        <p:spPr>
+          <a:xfrm>
+            <a:off x="1" y="6400800"/>
+            <a:ext cx="12192000" cy="457200"/>
+          </a:xfrm>
+          <a:prstGeom prst="rect">
+            <a:avLst/>
+          </a:prstGeom>
+          <a:solidFill>
+            <a:srgbClr val="262626"/>
+          </a:solidFill>
+          <a:ln>
+            <a:noFill/>
+          </a:ln>
+        </p:spPr>
+        <p:style>
+          <a:lnRef idx="2">
+            <a:schemeClr val="accent1">
+              <a:shade val="50000"/>
+            </a:schemeClr>
+          </a:lnRef>
+          <a:fillRef idx="1">
+            <a:schemeClr val="accent1"/>
+          </a:fillRef>
+          <a:effectRef idx="0">
+            <a:schemeClr val="accent1"/>
+          </a:effectRef>
+          <a:fontRef idx="minor">
+            <a:schemeClr val="lt1"/>
+          </a:fontRef>
+        </p:style>
+      </p:sp>
+      <p:sp>
+        <p:nvSpPr>
           <p:cNvPr id="2" name="Titel 1">
             <a:extLst>
               <a:ext uri="{FF2B5EF4-FFF2-40B4-BE49-F238E27FC236}">
@@ -4380,64 +5337,38 @@
             <p:ph type="title"/>
           </p:nvPr>
         </p:nvSpPr>
-        <p:spPr/>
-        <p:txBody>
-          <a:bodyPr/>
+        <p:spPr>
+          <a:xfrm>
+            <a:off x="4889383" y="83128"/>
+            <a:ext cx="10909073" cy="957902"/>
+          </a:xfrm>
+        </p:spPr>
+        <p:txBody>
+          <a:bodyPr vert="horz" lIns="91440" tIns="45720" rIns="91440" bIns="45720" rtlCol="0" anchor="b">
+            <a:normAutofit/>
+          </a:bodyPr>
           <a:lstStyle/>
           <a:p>
             <a:pPr algn="ctr"/>
             <a:r>
-              <a:rPr lang="de-AT" dirty="0"/>
+              <a:rPr lang="en-US" sz="4800" b="1" dirty="0" err="1">
+                <a:solidFill>
+                  <a:schemeClr val="tx1">
+                    <a:lumMod val="85000"/>
+                    <a:lumOff val="15000"/>
+                  </a:schemeClr>
+                </a:solidFill>
+              </a:rPr>
               <a:t>Planung</a:t>
             </a:r>
-          </a:p>
-        </p:txBody>
-      </p:sp>
-      <p:sp>
-        <p:nvSpPr>
-          <p:cNvPr id="3" name="Inhaltsplatzhalter 2">
-            <a:extLst>
-              <a:ext uri="{FF2B5EF4-FFF2-40B4-BE49-F238E27FC236}">
-                <a16:creationId xmlns:a16="http://schemas.microsoft.com/office/drawing/2014/main" id="{B45DA9A6-02D9-4755-98C6-767201F2FBAF}"/>
-              </a:ext>
-            </a:extLst>
-          </p:cNvPr>
-          <p:cNvSpPr>
-            <a:spLocks noGrp="1"/>
-          </p:cNvSpPr>
-          <p:nvPr>
-            <p:ph idx="1"/>
-          </p:nvPr>
-        </p:nvSpPr>
-        <p:spPr/>
-        <p:txBody>
-          <a:bodyPr/>
-          <a:lstStyle/>
-          <a:p>
-            <a:pPr>
-              <a:buFont typeface="Arial" panose="020B0604020202020204" pitchFamily="34" charset="0"/>
-              <a:buChar char="•"/>
-            </a:pPr>
-            <a:r>
-              <a:rPr lang="de-AT" dirty="0"/>
-              <a:t>Zeitplanung</a:t>
-            </a:r>
-          </a:p>
-          <a:p>
-            <a:r>
-              <a:rPr lang="de-AT" dirty="0"/>
-              <a:t>Ganttchart</a:t>
-            </a:r>
-          </a:p>
-          <a:p>
-            <a:pPr>
-              <a:buFont typeface="Arial" panose="020B0604020202020204" pitchFamily="34" charset="0"/>
-              <a:buChar char="•"/>
-            </a:pPr>
-            <a:r>
-              <a:rPr lang="de-AT" dirty="0"/>
-              <a:t>Meilensteinliste</a:t>
-            </a:r>
+            <a:endParaRPr lang="en-US" sz="4800" b="1" dirty="0">
+              <a:solidFill>
+                <a:schemeClr val="tx1">
+                  <a:lumMod val="85000"/>
+                  <a:lumOff val="15000"/>
+                </a:schemeClr>
+              </a:solidFill>
+            </a:endParaRPr>
           </a:p>
         </p:txBody>
       </p:sp>
